--- a/react/ctrlz4-0403.pptx
+++ b/react/ctrlz4-0403.pptx
@@ -266,7 +266,7 @@
           <a:p>
             <a:fld id="{6587FAEA-F880-4778-816E-3E668AC76103}" type="datetimeFigureOut">
               <a:rPr lang="ko-KR" altLang="en-US" smtClean="0"/>
-              <a:t>2020-04-02</a:t>
+              <a:t>2020-04-03</a:t>
             </a:fld>
             <a:endParaRPr lang="ko-KR" altLang="en-US"/>
           </a:p>
@@ -464,7 +464,7 @@
           <a:p>
             <a:fld id="{6587FAEA-F880-4778-816E-3E668AC76103}" type="datetimeFigureOut">
               <a:rPr lang="ko-KR" altLang="en-US" smtClean="0"/>
-              <a:t>2020-04-02</a:t>
+              <a:t>2020-04-03</a:t>
             </a:fld>
             <a:endParaRPr lang="ko-KR" altLang="en-US"/>
           </a:p>
@@ -672,7 +672,7 @@
           <a:p>
             <a:fld id="{6587FAEA-F880-4778-816E-3E668AC76103}" type="datetimeFigureOut">
               <a:rPr lang="ko-KR" altLang="en-US" smtClean="0"/>
-              <a:t>2020-04-02</a:t>
+              <a:t>2020-04-03</a:t>
             </a:fld>
             <a:endParaRPr lang="ko-KR" altLang="en-US"/>
           </a:p>
@@ -870,7 +870,7 @@
           <a:p>
             <a:fld id="{6587FAEA-F880-4778-816E-3E668AC76103}" type="datetimeFigureOut">
               <a:rPr lang="ko-KR" altLang="en-US" smtClean="0"/>
-              <a:t>2020-04-02</a:t>
+              <a:t>2020-04-03</a:t>
             </a:fld>
             <a:endParaRPr lang="ko-KR" altLang="en-US"/>
           </a:p>
@@ -1145,7 +1145,7 @@
           <a:p>
             <a:fld id="{6587FAEA-F880-4778-816E-3E668AC76103}" type="datetimeFigureOut">
               <a:rPr lang="ko-KR" altLang="en-US" smtClean="0"/>
-              <a:t>2020-04-02</a:t>
+              <a:t>2020-04-03</a:t>
             </a:fld>
             <a:endParaRPr lang="ko-KR" altLang="en-US"/>
           </a:p>
@@ -1410,7 +1410,7 @@
           <a:p>
             <a:fld id="{6587FAEA-F880-4778-816E-3E668AC76103}" type="datetimeFigureOut">
               <a:rPr lang="ko-KR" altLang="en-US" smtClean="0"/>
-              <a:t>2020-04-02</a:t>
+              <a:t>2020-04-03</a:t>
             </a:fld>
             <a:endParaRPr lang="ko-KR" altLang="en-US"/>
           </a:p>
@@ -1822,7 +1822,7 @@
           <a:p>
             <a:fld id="{6587FAEA-F880-4778-816E-3E668AC76103}" type="datetimeFigureOut">
               <a:rPr lang="ko-KR" altLang="en-US" smtClean="0"/>
-              <a:t>2020-04-02</a:t>
+              <a:t>2020-04-03</a:t>
             </a:fld>
             <a:endParaRPr lang="ko-KR" altLang="en-US"/>
           </a:p>
@@ -1963,7 +1963,7 @@
           <a:p>
             <a:fld id="{6587FAEA-F880-4778-816E-3E668AC76103}" type="datetimeFigureOut">
               <a:rPr lang="ko-KR" altLang="en-US" smtClean="0"/>
-              <a:t>2020-04-02</a:t>
+              <a:t>2020-04-03</a:t>
             </a:fld>
             <a:endParaRPr lang="ko-KR" altLang="en-US"/>
           </a:p>
@@ -2076,7 +2076,7 @@
           <a:p>
             <a:fld id="{6587FAEA-F880-4778-816E-3E668AC76103}" type="datetimeFigureOut">
               <a:rPr lang="ko-KR" altLang="en-US" smtClean="0"/>
-              <a:t>2020-04-02</a:t>
+              <a:t>2020-04-03</a:t>
             </a:fld>
             <a:endParaRPr lang="ko-KR" altLang="en-US"/>
           </a:p>
@@ -2387,7 +2387,7 @@
           <a:p>
             <a:fld id="{6587FAEA-F880-4778-816E-3E668AC76103}" type="datetimeFigureOut">
               <a:rPr lang="ko-KR" altLang="en-US" smtClean="0"/>
-              <a:t>2020-04-02</a:t>
+              <a:t>2020-04-03</a:t>
             </a:fld>
             <a:endParaRPr lang="ko-KR" altLang="en-US"/>
           </a:p>
@@ -2675,7 +2675,7 @@
           <a:p>
             <a:fld id="{6587FAEA-F880-4778-816E-3E668AC76103}" type="datetimeFigureOut">
               <a:rPr lang="ko-KR" altLang="en-US" smtClean="0"/>
-              <a:t>2020-04-02</a:t>
+              <a:t>2020-04-03</a:t>
             </a:fld>
             <a:endParaRPr lang="ko-KR" altLang="en-US"/>
           </a:p>
@@ -2916,7 +2916,7 @@
           <a:p>
             <a:fld id="{6587FAEA-F880-4778-816E-3E668AC76103}" type="datetimeFigureOut">
               <a:rPr lang="ko-KR" altLang="en-US" smtClean="0"/>
-              <a:t>2020-04-02</a:t>
+              <a:t>2020-04-03</a:t>
             </a:fld>
             <a:endParaRPr lang="ko-KR" altLang="en-US"/>
           </a:p>
@@ -3516,14 +3516,26 @@
           </a:p>
           <a:p>
             <a:r>
-              <a:rPr lang="ko-KR" altLang="en-US" dirty="0"/>
+              <a:rPr lang="ko-KR" altLang="en-US" dirty="0">
+                <a:solidFill>
+                  <a:srgbClr val="FF0000"/>
+                </a:solidFill>
+              </a:rPr>
               <a:t>데이터 흐름도 </a:t>
             </a:r>
             <a:r>
-              <a:rPr lang="ko-KR" altLang="en-US" dirty="0" err="1"/>
+              <a:rPr lang="ko-KR" altLang="en-US" dirty="0" err="1">
+                <a:solidFill>
+                  <a:srgbClr val="FF0000"/>
+                </a:solidFill>
+              </a:rPr>
               <a:t>그려보기</a:t>
             </a:r>
-            <a:endParaRPr lang="ko-KR" altLang="en-US" dirty="0"/>
+            <a:endParaRPr lang="ko-KR" altLang="en-US" dirty="0">
+              <a:solidFill>
+                <a:srgbClr val="FF0000"/>
+              </a:solidFill>
+            </a:endParaRPr>
           </a:p>
         </p:txBody>
       </p:sp>
@@ -3805,8 +3817,8 @@
         </p:blipFill>
         <p:spPr>
           <a:xfrm>
-            <a:off x="673767" y="3429000"/>
-            <a:ext cx="5614738" cy="3208422"/>
+            <a:off x="577516" y="4494170"/>
+            <a:ext cx="8273404" cy="4727660"/>
           </a:xfrm>
           <a:prstGeom prst="rect">
             <a:avLst/>
@@ -3834,8 +3846,8 @@
         </p:blipFill>
         <p:spPr>
           <a:xfrm>
-            <a:off x="3882189" y="4055394"/>
-            <a:ext cx="7743125" cy="2121569"/>
+            <a:off x="2662990" y="4671762"/>
+            <a:ext cx="10987113" cy="3010402"/>
           </a:xfrm>
           <a:prstGeom prst="rect">
             <a:avLst/>
@@ -3963,7 +3975,7 @@
             </a:r>
             <a:r>
               <a:rPr lang="ko-KR" altLang="en-US" dirty="0"/>
-              <a:t>반복제어변수</a:t>
+              <a:t>반복제어변수 지지고 볶기</a:t>
             </a:r>
             <a:r>
               <a:rPr lang="en-US" altLang="ko-KR" dirty="0"/>
@@ -3983,6 +3995,13 @@
           <a:p>
             <a:pPr lvl="1"/>
             <a:endParaRPr lang="en-US" altLang="ko-KR" dirty="0"/>
+          </a:p>
+          <a:p>
+            <a:pPr lvl="1"/>
+            <a:r>
+              <a:rPr lang="en-US" altLang="ko-KR" dirty="0"/>
+              <a:t>splice()</a:t>
+            </a:r>
           </a:p>
           <a:p>
             <a:r>
@@ -4211,15 +4230,6 @@
               </a:rPr>
               <a:t> https://developer.mozilla.org/ko/docs/Web/JavaScript/Reference/Operators/Conditional_Operator</a:t>
             </a:r>
-            <a:endParaRPr lang="en-US" altLang="ko-KR" dirty="0"/>
-          </a:p>
-          <a:p>
-            <a:endParaRPr lang="en-US" altLang="ko-KR" sz="300" dirty="0"/>
-          </a:p>
-          <a:p>
-            <a:endParaRPr lang="en-US" altLang="ko-KR" sz="300" dirty="0"/>
-          </a:p>
-          <a:p>
             <a:endParaRPr lang="en-US" altLang="ko-KR" sz="300" dirty="0"/>
           </a:p>
           <a:p>
